--- a/PM/Presentations/Timeplan.pptx
+++ b/PM/Presentations/Timeplan.pptx
@@ -7,9 +7,10 @@
   <p:sldIdLst>
     <p:sldId id="256" r:id="rId2"/>
     <p:sldId id="259" r:id="rId3"/>
-    <p:sldId id="260" r:id="rId4"/>
-    <p:sldId id="258" r:id="rId5"/>
-    <p:sldId id="257" r:id="rId6"/>
+    <p:sldId id="258" r:id="rId4"/>
+    <p:sldId id="261" r:id="rId5"/>
+    <p:sldId id="260" r:id="rId6"/>
+    <p:sldId id="257" r:id="rId7"/>
   </p:sldIdLst>
   <p:sldSz cx="12192000" cy="6858000"/>
   <p:notesSz cx="6858000" cy="9144000"/>
@@ -8077,7 +8078,7 @@
           <a:p>
             <a:fld id="{C8CFF172-6B10-4AE5-B144-3AF38FBE4A06}" type="datetimeFigureOut">
               <a:rPr lang="en-IN" smtClean="0"/>
-              <a:t>30-11-2018</a:t>
+              <a:t>25-01-2019</a:t>
             </a:fld>
             <a:endParaRPr lang="en-IN"/>
           </a:p>
@@ -8277,7 +8278,7 @@
           <a:p>
             <a:fld id="{C8CFF172-6B10-4AE5-B144-3AF38FBE4A06}" type="datetimeFigureOut">
               <a:rPr lang="en-IN" smtClean="0"/>
-              <a:t>30-11-2018</a:t>
+              <a:t>25-01-2019</a:t>
             </a:fld>
             <a:endParaRPr lang="en-IN"/>
           </a:p>
@@ -8487,7 +8488,7 @@
           <a:p>
             <a:fld id="{C8CFF172-6B10-4AE5-B144-3AF38FBE4A06}" type="datetimeFigureOut">
               <a:rPr lang="en-IN" smtClean="0"/>
-              <a:t>30-11-2018</a:t>
+              <a:t>25-01-2019</a:t>
             </a:fld>
             <a:endParaRPr lang="en-IN"/>
           </a:p>
@@ -8687,7 +8688,7 @@
           <a:p>
             <a:fld id="{C8CFF172-6B10-4AE5-B144-3AF38FBE4A06}" type="datetimeFigureOut">
               <a:rPr lang="en-IN" smtClean="0"/>
-              <a:t>30-11-2018</a:t>
+              <a:t>25-01-2019</a:t>
             </a:fld>
             <a:endParaRPr lang="en-IN"/>
           </a:p>
@@ -8963,7 +8964,7 @@
           <a:p>
             <a:fld id="{C8CFF172-6B10-4AE5-B144-3AF38FBE4A06}" type="datetimeFigureOut">
               <a:rPr lang="en-IN" smtClean="0"/>
-              <a:t>30-11-2018</a:t>
+              <a:t>25-01-2019</a:t>
             </a:fld>
             <a:endParaRPr lang="en-IN"/>
           </a:p>
@@ -9231,7 +9232,7 @@
           <a:p>
             <a:fld id="{C8CFF172-6B10-4AE5-B144-3AF38FBE4A06}" type="datetimeFigureOut">
               <a:rPr lang="en-IN" smtClean="0"/>
-              <a:t>30-11-2018</a:t>
+              <a:t>25-01-2019</a:t>
             </a:fld>
             <a:endParaRPr lang="en-IN"/>
           </a:p>
@@ -9646,7 +9647,7 @@
           <a:p>
             <a:fld id="{C8CFF172-6B10-4AE5-B144-3AF38FBE4A06}" type="datetimeFigureOut">
               <a:rPr lang="en-IN" smtClean="0"/>
-              <a:t>30-11-2018</a:t>
+              <a:t>25-01-2019</a:t>
             </a:fld>
             <a:endParaRPr lang="en-IN"/>
           </a:p>
@@ -9788,7 +9789,7 @@
           <a:p>
             <a:fld id="{C8CFF172-6B10-4AE5-B144-3AF38FBE4A06}" type="datetimeFigureOut">
               <a:rPr lang="en-IN" smtClean="0"/>
-              <a:t>30-11-2018</a:t>
+              <a:t>25-01-2019</a:t>
             </a:fld>
             <a:endParaRPr lang="en-IN"/>
           </a:p>
@@ -9901,7 +9902,7 @@
           <a:p>
             <a:fld id="{C8CFF172-6B10-4AE5-B144-3AF38FBE4A06}" type="datetimeFigureOut">
               <a:rPr lang="en-IN" smtClean="0"/>
-              <a:t>30-11-2018</a:t>
+              <a:t>25-01-2019</a:t>
             </a:fld>
             <a:endParaRPr lang="en-IN"/>
           </a:p>
@@ -10214,7 +10215,7 @@
           <a:p>
             <a:fld id="{C8CFF172-6B10-4AE5-B144-3AF38FBE4A06}" type="datetimeFigureOut">
               <a:rPr lang="en-IN" smtClean="0"/>
-              <a:t>30-11-2018</a:t>
+              <a:t>25-01-2019</a:t>
             </a:fld>
             <a:endParaRPr lang="en-IN"/>
           </a:p>
@@ -10503,7 +10504,7 @@
           <a:p>
             <a:fld id="{C8CFF172-6B10-4AE5-B144-3AF38FBE4A06}" type="datetimeFigureOut">
               <a:rPr lang="en-IN" smtClean="0"/>
-              <a:t>30-11-2018</a:t>
+              <a:t>25-01-2019</a:t>
             </a:fld>
             <a:endParaRPr lang="en-IN"/>
           </a:p>
@@ -10746,7 +10747,7 @@
           <a:p>
             <a:fld id="{C8CFF172-6B10-4AE5-B144-3AF38FBE4A06}" type="datetimeFigureOut">
               <a:rPr lang="en-IN" smtClean="0"/>
-              <a:t>30-11-2018</a:t>
+              <a:t>25-01-2019</a:t>
             </a:fld>
             <a:endParaRPr lang="en-IN"/>
           </a:p>
@@ -11277,7 +11278,7 @@
           <p:nvPr>
             <p:extLst>
               <p:ext uri="{D42A27DB-BD31-4B8C-83A1-F6EECF244321}">
-                <p14:modId xmlns:p14="http://schemas.microsoft.com/office/powerpoint/2010/main" val="4217625767"/>
+                <p14:modId xmlns:p14="http://schemas.microsoft.com/office/powerpoint/2010/main" val="271935741"/>
               </p:ext>
             </p:extLst>
           </p:nvPr>
@@ -12583,7 +12584,12 @@
                     </a:p>
                   </a:txBody>
                   <a:tcPr>
-                    <a:noFill/>
+                    <a:solidFill>
+                      <a:schemeClr val="accent2">
+                        <a:lumMod val="60000"/>
+                        <a:lumOff val="40000"/>
+                      </a:schemeClr>
+                    </a:solidFill>
                   </a:tcPr>
                 </a:tc>
                 <a:tc>
@@ -12595,7 +12601,12 @@
                     </a:p>
                   </a:txBody>
                   <a:tcPr>
-                    <a:noFill/>
+                    <a:solidFill>
+                      <a:schemeClr val="accent2">
+                        <a:lumMod val="60000"/>
+                        <a:lumOff val="40000"/>
+                      </a:schemeClr>
+                    </a:solidFill>
                   </a:tcPr>
                 </a:tc>
                 <a:tc>
@@ -12967,7 +12978,12 @@
                     </a:p>
                   </a:txBody>
                   <a:tcPr>
-                    <a:noFill/>
+                    <a:solidFill>
+                      <a:schemeClr val="accent6">
+                        <a:lumMod val="60000"/>
+                        <a:lumOff val="40000"/>
+                      </a:schemeClr>
+                    </a:solidFill>
                   </a:tcPr>
                 </a:tc>
                 <a:tc>
@@ -12979,7 +12995,12 @@
                     </a:p>
                   </a:txBody>
                   <a:tcPr>
-                    <a:noFill/>
+                    <a:solidFill>
+                      <a:schemeClr val="accent6">
+                        <a:lumMod val="60000"/>
+                        <a:lumOff val="40000"/>
+                      </a:schemeClr>
+                    </a:solidFill>
                   </a:tcPr>
                 </a:tc>
                 <a:tc>
@@ -12991,7 +13012,12 @@
                     </a:p>
                   </a:txBody>
                   <a:tcPr>
-                    <a:noFill/>
+                    <a:solidFill>
+                      <a:schemeClr val="accent6">
+                        <a:lumMod val="60000"/>
+                        <a:lumOff val="40000"/>
+                      </a:schemeClr>
+                    </a:solidFill>
                   </a:tcPr>
                 </a:tc>
                 <a:tc>
@@ -13003,7 +13029,12 @@
                     </a:p>
                   </a:txBody>
                   <a:tcPr>
-                    <a:noFill/>
+                    <a:solidFill>
+                      <a:schemeClr val="accent6">
+                        <a:lumMod val="60000"/>
+                        <a:lumOff val="40000"/>
+                      </a:schemeClr>
+                    </a:solidFill>
                   </a:tcPr>
                 </a:tc>
                 <a:tc>
@@ -14205,101 +14236,6 @@
 </file>
 
 <file path=ppt/slides/slide3.xml><?xml version="1.0" encoding="utf-8"?>
-<p:sld xmlns:a="http://schemas.openxmlformats.org/drawingml/2006/main" xmlns:r="http://schemas.openxmlformats.org/officeDocument/2006/relationships" xmlns:p="http://schemas.openxmlformats.org/presentationml/2006/main">
-  <p:cSld>
-    <p:spTree>
-      <p:nvGrpSpPr>
-        <p:cNvPr id="1" name=""/>
-        <p:cNvGrpSpPr/>
-        <p:nvPr/>
-      </p:nvGrpSpPr>
-      <p:grpSpPr>
-        <a:xfrm>
-          <a:off x="0" y="0"/>
-          <a:ext cx="0" cy="0"/>
-          <a:chOff x="0" y="0"/>
-          <a:chExt cx="0" cy="0"/>
-        </a:xfrm>
-      </p:grpSpPr>
-      <p:pic>
-        <p:nvPicPr>
-          <p:cNvPr id="2" name="Picture 1">
-            <a:extLst>
-              <a:ext uri="{FF2B5EF4-FFF2-40B4-BE49-F238E27FC236}">
-                <a16:creationId xmlns:a16="http://schemas.microsoft.com/office/drawing/2014/main" id="{5B5969D0-B264-422A-8BA4-F34D7B0691C7}"/>
-              </a:ext>
-            </a:extLst>
-          </p:cNvPr>
-          <p:cNvPicPr>
-            <a:picLocks noChangeAspect="1"/>
-          </p:cNvPicPr>
-          <p:nvPr/>
-        </p:nvPicPr>
-        <p:blipFill>
-          <a:blip r:embed="rId2"/>
-          <a:stretch>
-            <a:fillRect/>
-          </a:stretch>
-        </p:blipFill>
-        <p:spPr>
-          <a:xfrm>
-            <a:off x="852487" y="1562100"/>
-            <a:ext cx="10487025" cy="3733800"/>
-          </a:xfrm>
-          <a:prstGeom prst="rect">
-            <a:avLst/>
-          </a:prstGeom>
-        </p:spPr>
-      </p:pic>
-      <p:sp>
-        <p:nvSpPr>
-          <p:cNvPr id="3" name="TextBox 2">
-            <a:extLst>
-              <a:ext uri="{FF2B5EF4-FFF2-40B4-BE49-F238E27FC236}">
-                <a16:creationId xmlns:a16="http://schemas.microsoft.com/office/drawing/2014/main" id="{088D7B13-B2BD-4181-9006-FC114EE2C3CB}"/>
-              </a:ext>
-            </a:extLst>
-          </p:cNvPr>
-          <p:cNvSpPr txBox="1"/>
-          <p:nvPr/>
-        </p:nvSpPr>
-        <p:spPr>
-          <a:xfrm>
-            <a:off x="1037492" y="553915"/>
-            <a:ext cx="3604846" cy="369332"/>
-          </a:xfrm>
-          <a:prstGeom prst="rect">
-            <a:avLst/>
-          </a:prstGeom>
-          <a:noFill/>
-        </p:spPr>
-        <p:txBody>
-          <a:bodyPr wrap="square" rtlCol="0">
-            <a:spAutoFit/>
-          </a:bodyPr>
-          <a:lstStyle/>
-          <a:p>
-            <a:r>
-              <a:rPr lang="en-IN" dirty="0"/>
-              <a:t>OLD </a:t>
-            </a:r>
-          </a:p>
-        </p:txBody>
-      </p:sp>
-    </p:spTree>
-    <p:extLst>
-      <p:ext uri="{BB962C8B-B14F-4D97-AF65-F5344CB8AC3E}">
-        <p14:creationId xmlns:p14="http://schemas.microsoft.com/office/powerpoint/2010/main" val="1483372025"/>
-      </p:ext>
-    </p:extLst>
-  </p:cSld>
-  <p:clrMapOvr>
-    <a:masterClrMapping/>
-  </p:clrMapOvr>
-</p:sld>
-</file>
-
-<file path=ppt/slides/slide4.xml><?xml version="1.0" encoding="utf-8"?>
 <p:sld xmlns:a="http://schemas.openxmlformats.org/drawingml/2006/main" xmlns:r="http://schemas.openxmlformats.org/officeDocument/2006/relationships" xmlns:p="http://schemas.openxmlformats.org/presentationml/2006/main">
   <p:cSld>
     <p:spTree>
@@ -14405,7 +14341,197 @@
 </p:sld>
 </file>
 
+<file path=ppt/slides/slide4.xml><?xml version="1.0" encoding="utf-8"?>
+<p:sld xmlns:a="http://schemas.openxmlformats.org/drawingml/2006/main" xmlns:r="http://schemas.openxmlformats.org/officeDocument/2006/relationships" xmlns:p="http://schemas.openxmlformats.org/presentationml/2006/main">
+  <p:cSld>
+    <p:spTree>
+      <p:nvGrpSpPr>
+        <p:cNvPr id="1" name=""/>
+        <p:cNvGrpSpPr/>
+        <p:nvPr/>
+      </p:nvGrpSpPr>
+      <p:grpSpPr>
+        <a:xfrm>
+          <a:off x="0" y="0"/>
+          <a:ext cx="0" cy="0"/>
+          <a:chOff x="0" y="0"/>
+          <a:chExt cx="0" cy="0"/>
+        </a:xfrm>
+      </p:grpSpPr>
+      <p:pic>
+        <p:nvPicPr>
+          <p:cNvPr id="3" name="Picture 2">
+            <a:extLst>
+              <a:ext uri="{FF2B5EF4-FFF2-40B4-BE49-F238E27FC236}">
+                <a16:creationId xmlns:a16="http://schemas.microsoft.com/office/drawing/2014/main" id="{0278E91C-EB34-4FA5-AFC1-935D4443D324}"/>
+              </a:ext>
+            </a:extLst>
+          </p:cNvPr>
+          <p:cNvPicPr>
+            <a:picLocks noChangeAspect="1"/>
+          </p:cNvPicPr>
+          <p:nvPr/>
+        </p:nvPicPr>
+        <p:blipFill>
+          <a:blip r:embed="rId2"/>
+          <a:stretch>
+            <a:fillRect/>
+          </a:stretch>
+        </p:blipFill>
+        <p:spPr>
+          <a:xfrm>
+            <a:off x="1398625" y="1856095"/>
+            <a:ext cx="9394750" cy="3145809"/>
+          </a:xfrm>
+          <a:prstGeom prst="rect">
+            <a:avLst/>
+          </a:prstGeom>
+        </p:spPr>
+      </p:pic>
+      <p:sp>
+        <p:nvSpPr>
+          <p:cNvPr id="4" name="TextBox 3">
+            <a:extLst>
+              <a:ext uri="{FF2B5EF4-FFF2-40B4-BE49-F238E27FC236}">
+                <a16:creationId xmlns:a16="http://schemas.microsoft.com/office/drawing/2014/main" id="{AD3A1E9E-033A-46FC-A35D-E155C1565D0D}"/>
+              </a:ext>
+            </a:extLst>
+          </p:cNvPr>
+          <p:cNvSpPr txBox="1"/>
+          <p:nvPr/>
+        </p:nvSpPr>
+        <p:spPr>
+          <a:xfrm>
+            <a:off x="1714500" y="1190625"/>
+            <a:ext cx="1962150" cy="369332"/>
+          </a:xfrm>
+          <a:prstGeom prst="rect">
+            <a:avLst/>
+          </a:prstGeom>
+          <a:noFill/>
+        </p:spPr>
+        <p:txBody>
+          <a:bodyPr wrap="square" rtlCol="0">
+            <a:spAutoFit/>
+          </a:bodyPr>
+          <a:lstStyle/>
+          <a:p>
+            <a:r>
+              <a:rPr lang="en-GB"/>
+              <a:t>Edited on 25 Jan</a:t>
+            </a:r>
+          </a:p>
+        </p:txBody>
+      </p:sp>
+    </p:spTree>
+    <p:extLst>
+      <p:ext uri="{BB962C8B-B14F-4D97-AF65-F5344CB8AC3E}">
+        <p14:creationId xmlns:p14="http://schemas.microsoft.com/office/powerpoint/2010/main" val="3677739663"/>
+      </p:ext>
+    </p:extLst>
+  </p:cSld>
+  <p:clrMapOvr>
+    <a:masterClrMapping/>
+  </p:clrMapOvr>
+</p:sld>
+</file>
+
 <file path=ppt/slides/slide5.xml><?xml version="1.0" encoding="utf-8"?>
+<p:sld xmlns:a="http://schemas.openxmlformats.org/drawingml/2006/main" xmlns:r="http://schemas.openxmlformats.org/officeDocument/2006/relationships" xmlns:p="http://schemas.openxmlformats.org/presentationml/2006/main">
+  <p:cSld>
+    <p:spTree>
+      <p:nvGrpSpPr>
+        <p:cNvPr id="1" name=""/>
+        <p:cNvGrpSpPr/>
+        <p:nvPr/>
+      </p:nvGrpSpPr>
+      <p:grpSpPr>
+        <a:xfrm>
+          <a:off x="0" y="0"/>
+          <a:ext cx="0" cy="0"/>
+          <a:chOff x="0" y="0"/>
+          <a:chExt cx="0" cy="0"/>
+        </a:xfrm>
+      </p:grpSpPr>
+      <p:pic>
+        <p:nvPicPr>
+          <p:cNvPr id="2" name="Picture 1">
+            <a:extLst>
+              <a:ext uri="{FF2B5EF4-FFF2-40B4-BE49-F238E27FC236}">
+                <a16:creationId xmlns:a16="http://schemas.microsoft.com/office/drawing/2014/main" id="{5B5969D0-B264-422A-8BA4-F34D7B0691C7}"/>
+              </a:ext>
+            </a:extLst>
+          </p:cNvPr>
+          <p:cNvPicPr>
+            <a:picLocks noChangeAspect="1"/>
+          </p:cNvPicPr>
+          <p:nvPr/>
+        </p:nvPicPr>
+        <p:blipFill>
+          <a:blip r:embed="rId2"/>
+          <a:stretch>
+            <a:fillRect/>
+          </a:stretch>
+        </p:blipFill>
+        <p:spPr>
+          <a:xfrm>
+            <a:off x="852487" y="1562100"/>
+            <a:ext cx="10487025" cy="3733800"/>
+          </a:xfrm>
+          <a:prstGeom prst="rect">
+            <a:avLst/>
+          </a:prstGeom>
+        </p:spPr>
+      </p:pic>
+      <p:sp>
+        <p:nvSpPr>
+          <p:cNvPr id="3" name="TextBox 2">
+            <a:extLst>
+              <a:ext uri="{FF2B5EF4-FFF2-40B4-BE49-F238E27FC236}">
+                <a16:creationId xmlns:a16="http://schemas.microsoft.com/office/drawing/2014/main" id="{088D7B13-B2BD-4181-9006-FC114EE2C3CB}"/>
+              </a:ext>
+            </a:extLst>
+          </p:cNvPr>
+          <p:cNvSpPr txBox="1"/>
+          <p:nvPr/>
+        </p:nvSpPr>
+        <p:spPr>
+          <a:xfrm>
+            <a:off x="1037492" y="553915"/>
+            <a:ext cx="3604846" cy="369332"/>
+          </a:xfrm>
+          <a:prstGeom prst="rect">
+            <a:avLst/>
+          </a:prstGeom>
+          <a:noFill/>
+        </p:spPr>
+        <p:txBody>
+          <a:bodyPr wrap="square" rtlCol="0">
+            <a:spAutoFit/>
+          </a:bodyPr>
+          <a:lstStyle/>
+          <a:p>
+            <a:r>
+              <a:rPr lang="en-IN" dirty="0"/>
+              <a:t>OLD </a:t>
+            </a:r>
+          </a:p>
+        </p:txBody>
+      </p:sp>
+    </p:spTree>
+    <p:extLst>
+      <p:ext uri="{BB962C8B-B14F-4D97-AF65-F5344CB8AC3E}">
+        <p14:creationId xmlns:p14="http://schemas.microsoft.com/office/powerpoint/2010/main" val="1483372025"/>
+      </p:ext>
+    </p:extLst>
+  </p:cSld>
+  <p:clrMapOvr>
+    <a:masterClrMapping/>
+  </p:clrMapOvr>
+</p:sld>
+</file>
+
+<file path=ppt/slides/slide6.xml><?xml version="1.0" encoding="utf-8"?>
 <p:sld xmlns:a="http://schemas.openxmlformats.org/drawingml/2006/main" xmlns:r="http://schemas.openxmlformats.org/officeDocument/2006/relationships" xmlns:p="http://schemas.openxmlformats.org/presentationml/2006/main">
   <p:cSld>
     <p:spTree>
